--- a/doc/09.祭奠堂.pptx
+++ b/doc/09.祭奠堂.pptx
@@ -7887,6 +7887,309 @@
           </a:p>
         </p:txBody>
       </p:sp>
+      <p:sp>
+        <p:nvSpPr>
+          <p:cNvPr id="11" name="矩形: 圆角 10">
+            <a:extLst>
+              <a:ext uri="{FF2B5EF4-FFF2-40B4-BE49-F238E27FC236}">
+                <a16:creationId xmlns:a16="http://schemas.microsoft.com/office/drawing/2014/main" id="{2305C9EE-D010-4565-B612-7107DB79A297}"/>
+              </a:ext>
+            </a:extLst>
+          </p:cNvPr>
+          <p:cNvSpPr/>
+          <p:nvPr/>
+        </p:nvSpPr>
+        <p:spPr>
+          <a:xfrm>
+            <a:off x="2811708" y="4467513"/>
+            <a:ext cx="1728000" cy="576000"/>
+          </a:xfrm>
+          <a:prstGeom prst="roundRect">
+            <a:avLst/>
+          </a:prstGeom>
+          <a:solidFill>
+            <a:schemeClr val="bg1">
+              <a:lumMod val="95000"/>
+            </a:schemeClr>
+          </a:solidFill>
+          <a:ln>
+            <a:solidFill>
+              <a:schemeClr val="tx1"/>
+            </a:solidFill>
+          </a:ln>
+        </p:spPr>
+        <p:style>
+          <a:lnRef idx="2">
+            <a:schemeClr val="accent1">
+              <a:shade val="50000"/>
+            </a:schemeClr>
+          </a:lnRef>
+          <a:fillRef idx="1">
+            <a:schemeClr val="accent1"/>
+          </a:fillRef>
+          <a:effectRef idx="0">
+            <a:schemeClr val="accent1"/>
+          </a:effectRef>
+          <a:fontRef idx="minor">
+            <a:schemeClr val="lt1"/>
+          </a:fontRef>
+        </p:style>
+        <p:txBody>
+          <a:bodyPr wrap="none" lIns="36000" tIns="36000" rIns="36000" bIns="36000" rtlCol="0" anchor="ctr" anchorCtr="0"/>
+          <a:lstStyle/>
+          <a:p>
+            <a:pPr algn="ctr"/>
+            <a:r>
+              <a:rPr lang="zh-CN" altLang="en-US" sz="1600" b="1">
+                <a:solidFill>
+                  <a:schemeClr val="tx1"/>
+                </a:solidFill>
+                <a:latin typeface="微软雅黑" panose="020B0503020204020204" pitchFamily="34" charset="-122"/>
+                <a:ea typeface="微软雅黑" panose="020B0503020204020204" pitchFamily="34" charset="-122"/>
+              </a:rPr>
+              <a:t>关系表</a:t>
+            </a:r>
+            <a:endParaRPr lang="en-US" altLang="zh-CN" sz="1600" b="1">
+              <a:solidFill>
+                <a:schemeClr val="tx1"/>
+              </a:solidFill>
+              <a:latin typeface="微软雅黑" panose="020B0503020204020204" pitchFamily="34" charset="-122"/>
+              <a:ea typeface="微软雅黑" panose="020B0503020204020204" pitchFamily="34" charset="-122"/>
+            </a:endParaRPr>
+          </a:p>
+          <a:p>
+            <a:pPr algn="ctr"/>
+            <a:r>
+              <a:rPr lang="en-US" altLang="zh-CN" sz="1600" b="1">
+                <a:solidFill>
+                  <a:schemeClr val="tx1"/>
+                </a:solidFill>
+                <a:latin typeface="微软雅黑" panose="020B0503020204020204" pitchFamily="34" charset="-122"/>
+                <a:ea typeface="微软雅黑" panose="020B0503020204020204" pitchFamily="34" charset="-122"/>
+              </a:rPr>
+              <a:t>relation</a:t>
+            </a:r>
+            <a:endParaRPr lang="zh-CN" altLang="en-US" sz="1600" b="1">
+              <a:solidFill>
+                <a:schemeClr val="tx1"/>
+              </a:solidFill>
+              <a:latin typeface="微软雅黑" panose="020B0503020204020204" pitchFamily="34" charset="-122"/>
+              <a:ea typeface="微软雅黑" panose="020B0503020204020204" pitchFamily="34" charset="-122"/>
+            </a:endParaRPr>
+          </a:p>
+        </p:txBody>
+      </p:sp>
+      <p:sp>
+        <p:nvSpPr>
+          <p:cNvPr id="12" name="矩形: 圆角 11">
+            <a:extLst>
+              <a:ext uri="{FF2B5EF4-FFF2-40B4-BE49-F238E27FC236}">
+                <a16:creationId xmlns:a16="http://schemas.microsoft.com/office/drawing/2014/main" id="{3BE816D9-8BF2-42A3-B12B-71C25B8453F2}"/>
+              </a:ext>
+            </a:extLst>
+          </p:cNvPr>
+          <p:cNvSpPr/>
+          <p:nvPr/>
+        </p:nvSpPr>
+        <p:spPr>
+          <a:xfrm>
+            <a:off x="2811708" y="5037719"/>
+            <a:ext cx="4176863" cy="694262"/>
+          </a:xfrm>
+          <a:prstGeom prst="roundRect">
+            <a:avLst>
+              <a:gd name="adj" fmla="val 5494"/>
+            </a:avLst>
+          </a:prstGeom>
+          <a:noFill/>
+          <a:ln>
+            <a:solidFill>
+              <a:schemeClr val="tx2"/>
+            </a:solidFill>
+            <a:prstDash val="dash"/>
+          </a:ln>
+        </p:spPr>
+        <p:style>
+          <a:lnRef idx="2">
+            <a:schemeClr val="accent1">
+              <a:shade val="50000"/>
+            </a:schemeClr>
+          </a:lnRef>
+          <a:fillRef idx="1">
+            <a:schemeClr val="accent1"/>
+          </a:fillRef>
+          <a:effectRef idx="0">
+            <a:schemeClr val="accent1"/>
+          </a:effectRef>
+          <a:fontRef idx="minor">
+            <a:schemeClr val="lt1"/>
+          </a:fontRef>
+        </p:style>
+        <p:txBody>
+          <a:bodyPr rtlCol="0" anchor="b" anchorCtr="0"/>
+          <a:lstStyle/>
+          <a:p>
+            <a:r>
+              <a:rPr lang="zh-CN" altLang="en-US" sz="1200" b="1">
+                <a:solidFill>
+                  <a:schemeClr val="tx1"/>
+                </a:solidFill>
+                <a:latin typeface="微软雅黑" panose="020B0503020204020204" pitchFamily="34" charset="-122"/>
+                <a:ea typeface="微软雅黑" panose="020B0503020204020204" pitchFamily="34" charset="-122"/>
+              </a:rPr>
+              <a:t>关系</a:t>
+            </a:r>
+            <a:r>
+              <a:rPr lang="en-US" altLang="zh-CN" sz="1200" b="1">
+                <a:solidFill>
+                  <a:schemeClr val="tx1"/>
+                </a:solidFill>
+                <a:latin typeface="微软雅黑" panose="020B0503020204020204" pitchFamily="34" charset="-122"/>
+                <a:ea typeface="微软雅黑" panose="020B0503020204020204" pitchFamily="34" charset="-122"/>
+              </a:rPr>
+              <a:t>id</a:t>
+            </a:r>
+          </a:p>
+          <a:p>
+            <a:r>
+              <a:rPr lang="zh-CN" altLang="en-US" sz="1200" b="1">
+                <a:solidFill>
+                  <a:schemeClr val="tx1"/>
+                </a:solidFill>
+                <a:latin typeface="微软雅黑" panose="020B0503020204020204" pitchFamily="34" charset="-122"/>
+                <a:ea typeface="微软雅黑" panose="020B0503020204020204" pitchFamily="34" charset="-122"/>
+              </a:rPr>
+              <a:t>关系类型</a:t>
+            </a:r>
+            <a:r>
+              <a:rPr lang="en-US" altLang="zh-CN" sz="1200" b="1">
+                <a:solidFill>
+                  <a:schemeClr val="tx1"/>
+                </a:solidFill>
+                <a:latin typeface="微软雅黑" panose="020B0503020204020204" pitchFamily="34" charset="-122"/>
+                <a:ea typeface="微软雅黑" panose="020B0503020204020204" pitchFamily="34" charset="-122"/>
+              </a:rPr>
+              <a:t> [1,2,3,4,5] [</a:t>
+            </a:r>
+            <a:r>
+              <a:rPr lang="zh-CN" altLang="en-US" sz="1200" b="1">
+                <a:solidFill>
+                  <a:schemeClr val="tx1"/>
+                </a:solidFill>
+                <a:latin typeface="微软雅黑" panose="020B0503020204020204" pitchFamily="34" charset="-122"/>
+                <a:ea typeface="微软雅黑" panose="020B0503020204020204" pitchFamily="34" charset="-122"/>
+              </a:rPr>
+              <a:t>儿孙辈</a:t>
+            </a:r>
+            <a:r>
+              <a:rPr lang="en-US" altLang="zh-CN" sz="1200" b="1">
+                <a:solidFill>
+                  <a:schemeClr val="tx1"/>
+                </a:solidFill>
+                <a:latin typeface="微软雅黑" panose="020B0503020204020204" pitchFamily="34" charset="-122"/>
+                <a:ea typeface="微软雅黑" panose="020B0503020204020204" pitchFamily="34" charset="-122"/>
+              </a:rPr>
+              <a:t>,</a:t>
+            </a:r>
+            <a:r>
+              <a:rPr lang="zh-CN" altLang="en-US" sz="1200" b="1">
+                <a:solidFill>
+                  <a:schemeClr val="tx1"/>
+                </a:solidFill>
+                <a:latin typeface="微软雅黑" panose="020B0503020204020204" pitchFamily="34" charset="-122"/>
+                <a:ea typeface="微软雅黑" panose="020B0503020204020204" pitchFamily="34" charset="-122"/>
+              </a:rPr>
+              <a:t>同辈</a:t>
+            </a:r>
+            <a:r>
+              <a:rPr lang="en-US" altLang="zh-CN" sz="1200" b="1">
+                <a:solidFill>
+                  <a:schemeClr val="tx1"/>
+                </a:solidFill>
+                <a:latin typeface="微软雅黑" panose="020B0503020204020204" pitchFamily="34" charset="-122"/>
+                <a:ea typeface="微软雅黑" panose="020B0503020204020204" pitchFamily="34" charset="-122"/>
+              </a:rPr>
+              <a:t>,</a:t>
+            </a:r>
+            <a:r>
+              <a:rPr lang="zh-CN" altLang="en-US" sz="1200" b="1">
+                <a:solidFill>
+                  <a:schemeClr val="tx1"/>
+                </a:solidFill>
+                <a:latin typeface="微软雅黑" panose="020B0503020204020204" pitchFamily="34" charset="-122"/>
+                <a:ea typeface="微软雅黑" panose="020B0503020204020204" pitchFamily="34" charset="-122"/>
+              </a:rPr>
+              <a:t>父辈</a:t>
+            </a:r>
+            <a:r>
+              <a:rPr lang="en-US" altLang="zh-CN" sz="1200" b="1">
+                <a:solidFill>
+                  <a:schemeClr val="tx1"/>
+                </a:solidFill>
+                <a:latin typeface="微软雅黑" panose="020B0503020204020204" pitchFamily="34" charset="-122"/>
+                <a:ea typeface="微软雅黑" panose="020B0503020204020204" pitchFamily="34" charset="-122"/>
+              </a:rPr>
+              <a:t>,</a:t>
+            </a:r>
+            <a:r>
+              <a:rPr lang="zh-CN" altLang="en-US" sz="1200" b="1">
+                <a:solidFill>
+                  <a:schemeClr val="tx1"/>
+                </a:solidFill>
+                <a:latin typeface="微软雅黑" panose="020B0503020204020204" pitchFamily="34" charset="-122"/>
+                <a:ea typeface="微软雅黑" panose="020B0503020204020204" pitchFamily="34" charset="-122"/>
+              </a:rPr>
+              <a:t>亲朋好友</a:t>
+            </a:r>
+            <a:r>
+              <a:rPr lang="en-US" altLang="zh-CN" sz="1200" b="1">
+                <a:solidFill>
+                  <a:schemeClr val="tx1"/>
+                </a:solidFill>
+                <a:latin typeface="微软雅黑" panose="020B0503020204020204" pitchFamily="34" charset="-122"/>
+                <a:ea typeface="微软雅黑" panose="020B0503020204020204" pitchFamily="34" charset="-122"/>
+              </a:rPr>
+              <a:t>,</a:t>
+            </a:r>
+            <a:r>
+              <a:rPr lang="zh-CN" altLang="en-US" sz="1200" b="1">
+                <a:solidFill>
+                  <a:schemeClr val="tx1"/>
+                </a:solidFill>
+                <a:latin typeface="微软雅黑" panose="020B0503020204020204" pitchFamily="34" charset="-122"/>
+                <a:ea typeface="微软雅黑" panose="020B0503020204020204" pitchFamily="34" charset="-122"/>
+              </a:rPr>
+              <a:t>祖辈</a:t>
+            </a:r>
+            <a:r>
+              <a:rPr lang="en-US" altLang="zh-CN" sz="1200" b="1">
+                <a:solidFill>
+                  <a:schemeClr val="tx1"/>
+                </a:solidFill>
+                <a:latin typeface="微软雅黑" panose="020B0503020204020204" pitchFamily="34" charset="-122"/>
+                <a:ea typeface="微软雅黑" panose="020B0503020204020204" pitchFamily="34" charset="-122"/>
+              </a:rPr>
+              <a:t>]</a:t>
+            </a:r>
+          </a:p>
+          <a:p>
+            <a:r>
+              <a:rPr lang="zh-CN" altLang="en-US" sz="1200" b="1">
+                <a:solidFill>
+                  <a:schemeClr val="tx1"/>
+                </a:solidFill>
+                <a:latin typeface="微软雅黑" panose="020B0503020204020204" pitchFamily="34" charset="-122"/>
+                <a:ea typeface="微软雅黑" panose="020B0503020204020204" pitchFamily="34" charset="-122"/>
+              </a:rPr>
+              <a:t>关系名称</a:t>
+            </a:r>
+            <a:endParaRPr lang="zh-CN" altLang="en-US" sz="1200">
+              <a:latin typeface="微软雅黑" panose="020B0503020204020204" pitchFamily="34" charset="-122"/>
+              <a:ea typeface="微软雅黑" panose="020B0503020204020204" pitchFamily="34" charset="-122"/>
+            </a:endParaRPr>
+          </a:p>
+        </p:txBody>
+      </p:sp>
     </p:spTree>
     <p:extLst>
       <p:ext uri="{BB962C8B-B14F-4D97-AF65-F5344CB8AC3E}">

--- a/doc/09.祭奠堂.pptx
+++ b/doc/09.祭奠堂.pptx
@@ -281,7 +281,7 @@
           <a:p>
             <a:fld id="{1B7BBEA4-24BC-4F9A-BA49-26A596A24E96}" type="datetimeFigureOut">
               <a:rPr lang="zh-CN" altLang="en-US" smtClean="0"/>
-              <a:t>2021/4/13</a:t>
+              <a:t>2021/4/14</a:t>
             </a:fld>
             <a:endParaRPr lang="zh-CN" altLang="en-US"/>
           </a:p>
@@ -479,7 +479,7 @@
           <a:p>
             <a:fld id="{1B7BBEA4-24BC-4F9A-BA49-26A596A24E96}" type="datetimeFigureOut">
               <a:rPr lang="zh-CN" altLang="en-US" smtClean="0"/>
-              <a:t>2021/4/13</a:t>
+              <a:t>2021/4/14</a:t>
             </a:fld>
             <a:endParaRPr lang="zh-CN" altLang="en-US"/>
           </a:p>
@@ -687,7 +687,7 @@
           <a:p>
             <a:fld id="{1B7BBEA4-24BC-4F9A-BA49-26A596A24E96}" type="datetimeFigureOut">
               <a:rPr lang="zh-CN" altLang="en-US" smtClean="0"/>
-              <a:t>2021/4/13</a:t>
+              <a:t>2021/4/14</a:t>
             </a:fld>
             <a:endParaRPr lang="zh-CN" altLang="en-US"/>
           </a:p>
@@ -885,7 +885,7 @@
           <a:p>
             <a:fld id="{1B7BBEA4-24BC-4F9A-BA49-26A596A24E96}" type="datetimeFigureOut">
               <a:rPr lang="zh-CN" altLang="en-US" smtClean="0"/>
-              <a:t>2021/4/13</a:t>
+              <a:t>2021/4/14</a:t>
             </a:fld>
             <a:endParaRPr lang="zh-CN" altLang="en-US"/>
           </a:p>
@@ -1160,7 +1160,7 @@
           <a:p>
             <a:fld id="{1B7BBEA4-24BC-4F9A-BA49-26A596A24E96}" type="datetimeFigureOut">
               <a:rPr lang="zh-CN" altLang="en-US" smtClean="0"/>
-              <a:t>2021/4/13</a:t>
+              <a:t>2021/4/14</a:t>
             </a:fld>
             <a:endParaRPr lang="zh-CN" altLang="en-US"/>
           </a:p>
@@ -1425,7 +1425,7 @@
           <a:p>
             <a:fld id="{1B7BBEA4-24BC-4F9A-BA49-26A596A24E96}" type="datetimeFigureOut">
               <a:rPr lang="zh-CN" altLang="en-US" smtClean="0"/>
-              <a:t>2021/4/13</a:t>
+              <a:t>2021/4/14</a:t>
             </a:fld>
             <a:endParaRPr lang="zh-CN" altLang="en-US"/>
           </a:p>
@@ -1837,7 +1837,7 @@
           <a:p>
             <a:fld id="{1B7BBEA4-24BC-4F9A-BA49-26A596A24E96}" type="datetimeFigureOut">
               <a:rPr lang="zh-CN" altLang="en-US" smtClean="0"/>
-              <a:t>2021/4/13</a:t>
+              <a:t>2021/4/14</a:t>
             </a:fld>
             <a:endParaRPr lang="zh-CN" altLang="en-US"/>
           </a:p>
@@ -1978,7 +1978,7 @@
           <a:p>
             <a:fld id="{1B7BBEA4-24BC-4F9A-BA49-26A596A24E96}" type="datetimeFigureOut">
               <a:rPr lang="zh-CN" altLang="en-US" smtClean="0"/>
-              <a:t>2021/4/13</a:t>
+              <a:t>2021/4/14</a:t>
             </a:fld>
             <a:endParaRPr lang="zh-CN" altLang="en-US"/>
           </a:p>
@@ -2091,7 +2091,7 @@
           <a:p>
             <a:fld id="{1B7BBEA4-24BC-4F9A-BA49-26A596A24E96}" type="datetimeFigureOut">
               <a:rPr lang="zh-CN" altLang="en-US" smtClean="0"/>
-              <a:t>2021/4/13</a:t>
+              <a:t>2021/4/14</a:t>
             </a:fld>
             <a:endParaRPr lang="zh-CN" altLang="en-US"/>
           </a:p>
@@ -2402,7 +2402,7 @@
           <a:p>
             <a:fld id="{1B7BBEA4-24BC-4F9A-BA49-26A596A24E96}" type="datetimeFigureOut">
               <a:rPr lang="zh-CN" altLang="en-US" smtClean="0"/>
-              <a:t>2021/4/13</a:t>
+              <a:t>2021/4/14</a:t>
             </a:fld>
             <a:endParaRPr lang="zh-CN" altLang="en-US"/>
           </a:p>
@@ -2690,7 +2690,7 @@
           <a:p>
             <a:fld id="{1B7BBEA4-24BC-4F9A-BA49-26A596A24E96}" type="datetimeFigureOut">
               <a:rPr lang="zh-CN" altLang="en-US" smtClean="0"/>
-              <a:t>2021/4/13</a:t>
+              <a:t>2021/4/14</a:t>
             </a:fld>
             <a:endParaRPr lang="zh-CN" altLang="en-US"/>
           </a:p>
@@ -2931,7 +2931,7 @@
           <a:p>
             <a:fld id="{1B7BBEA4-24BC-4F9A-BA49-26A596A24E96}" type="datetimeFigureOut">
               <a:rPr lang="zh-CN" altLang="en-US" smtClean="0"/>
-              <a:t>2021/4/13</a:t>
+              <a:t>2021/4/14</a:t>
             </a:fld>
             <a:endParaRPr lang="zh-CN" altLang="en-US"/>
           </a:p>
@@ -9130,10 +9130,10 @@
       </p:grpSpPr>
       <p:sp>
         <p:nvSpPr>
-          <p:cNvPr id="22" name="矩形: 圆角 21">
-            <a:extLst>
-              <a:ext uri="{FF2B5EF4-FFF2-40B4-BE49-F238E27FC236}">
-                <a16:creationId xmlns:a16="http://schemas.microsoft.com/office/drawing/2014/main" id="{44E9DDD3-78CB-4BBC-8CD8-3F3E184C49A0}"/>
+          <p:cNvPr id="53" name="矩形: 圆角 52">
+            <a:extLst>
+              <a:ext uri="{FF2B5EF4-FFF2-40B4-BE49-F238E27FC236}">
+                <a16:creationId xmlns:a16="http://schemas.microsoft.com/office/drawing/2014/main" id="{40CB1BC0-9F2F-42B0-8691-F1896B1D2EE4}"/>
               </a:ext>
             </a:extLst>
           </p:cNvPr>
@@ -9142,20 +9142,19 @@
         </p:nvSpPr>
         <p:spPr>
           <a:xfrm>
-            <a:off x="712379" y="1485824"/>
-            <a:ext cx="2592000" cy="1620000"/>
+            <a:off x="942315" y="2367632"/>
+            <a:ext cx="2362064" cy="648000"/>
           </a:xfrm>
           <a:prstGeom prst="roundRect">
-            <a:avLst>
-              <a:gd name="adj" fmla="val 5494"/>
-            </a:avLst>
+            <a:avLst/>
           </a:prstGeom>
-          <a:noFill/>
+          <a:solidFill>
+            <a:srgbClr val="00B050"/>
+          </a:solidFill>
           <a:ln>
             <a:solidFill>
-              <a:schemeClr val="tx2"/>
+              <a:schemeClr val="tx1"/>
             </a:solidFill>
-            <a:prstDash val="dash"/>
           </a:ln>
         </p:spPr>
         <p:style>
@@ -9175,191 +9174,113 @@
           </a:fontRef>
         </p:style>
         <p:txBody>
-          <a:bodyPr rtlCol="0" anchor="ctr"/>
+          <a:bodyPr wrap="none" lIns="36000" tIns="36000" rIns="36000" bIns="36000" rtlCol="0" anchor="ctr" anchorCtr="0"/>
           <a:lstStyle/>
           <a:p>
             <a:pPr algn="ctr"/>
-            <a:endParaRPr lang="zh-CN" altLang="en-US" sz="1600">
+            <a:r>
+              <a:rPr lang="zh-CN" altLang="en-US" sz="1600" b="1">
+                <a:solidFill>
+                  <a:schemeClr val="tx1"/>
+                </a:solidFill>
+                <a:latin typeface="微软雅黑" panose="020B0503020204020204" pitchFamily="34" charset="-122"/>
+                <a:ea typeface="微软雅黑" panose="020B0503020204020204" pitchFamily="34" charset="-122"/>
+              </a:rPr>
+              <a:t>添加纪念馆</a:t>
+            </a:r>
+            <a:endParaRPr lang="en-US" altLang="zh-CN" sz="1600" b="1">
+              <a:solidFill>
+                <a:schemeClr val="tx1"/>
+              </a:solidFill>
               <a:latin typeface="微软雅黑" panose="020B0503020204020204" pitchFamily="34" charset="-122"/>
               <a:ea typeface="微软雅黑" panose="020B0503020204020204" pitchFamily="34" charset="-122"/>
             </a:endParaRPr>
           </a:p>
-        </p:txBody>
-      </p:sp>
-      <p:grpSp>
-        <p:nvGrpSpPr>
-          <p:cNvPr id="5" name="组合 4">
-            <a:extLst>
-              <a:ext uri="{FF2B5EF4-FFF2-40B4-BE49-F238E27FC236}">
-                <a16:creationId xmlns:a16="http://schemas.microsoft.com/office/drawing/2014/main" id="{FE726350-4632-46AC-A43B-F61EC4E715EC}"/>
-              </a:ext>
-            </a:extLst>
-          </p:cNvPr>
-          <p:cNvGrpSpPr/>
-          <p:nvPr/>
-        </p:nvGrpSpPr>
-        <p:grpSpPr>
-          <a:xfrm>
-            <a:off x="827347" y="1635311"/>
-            <a:ext cx="2362064" cy="1337486"/>
-            <a:chOff x="530356" y="2212413"/>
-            <a:chExt cx="2362064" cy="1337486"/>
-          </a:xfrm>
-        </p:grpSpPr>
-        <p:sp>
-          <p:nvSpPr>
-            <p:cNvPr id="53" name="矩形: 圆角 52">
-              <a:extLst>
-                <a:ext uri="{FF2B5EF4-FFF2-40B4-BE49-F238E27FC236}">
-                  <a16:creationId xmlns:a16="http://schemas.microsoft.com/office/drawing/2014/main" id="{40CB1BC0-9F2F-42B0-8691-F1896B1D2EE4}"/>
-                </a:ext>
-              </a:extLst>
-            </p:cNvPr>
-            <p:cNvSpPr/>
-            <p:nvPr/>
-          </p:nvSpPr>
-          <p:spPr>
-            <a:xfrm>
-              <a:off x="530356" y="2901899"/>
-              <a:ext cx="2362064" cy="648000"/>
-            </a:xfrm>
-            <a:prstGeom prst="roundRect">
-              <a:avLst/>
-            </a:prstGeom>
-            <a:solidFill>
-              <a:srgbClr val="00B050"/>
-            </a:solidFill>
-            <a:ln>
+          <a:p>
+            <a:pPr algn="ctr"/>
+            <a:r>
+              <a:rPr lang="en-US" altLang="zh-CN" sz="1600" b="1">
+                <a:solidFill>
+                  <a:schemeClr val="tx1"/>
+                </a:solidFill>
+                <a:latin typeface="微软雅黑" panose="020B0503020204020204" pitchFamily="34" charset="-122"/>
+                <a:ea typeface="微软雅黑" panose="020B0503020204020204" pitchFamily="34" charset="-122"/>
+              </a:rPr>
+              <a:t>add_memorial_hall</a:t>
+            </a:r>
+            <a:endParaRPr lang="zh-CN" altLang="en-US" sz="1600" b="1">
               <a:solidFill>
                 <a:schemeClr val="tx1"/>
               </a:solidFill>
-            </a:ln>
-          </p:spPr>
-          <p:style>
-            <a:lnRef idx="2">
-              <a:schemeClr val="accent1">
-                <a:shade val="50000"/>
-              </a:schemeClr>
-            </a:lnRef>
-            <a:fillRef idx="1">
-              <a:schemeClr val="accent1"/>
-            </a:fillRef>
-            <a:effectRef idx="0">
-              <a:schemeClr val="accent1"/>
-            </a:effectRef>
-            <a:fontRef idx="minor">
-              <a:schemeClr val="lt1"/>
-            </a:fontRef>
-          </p:style>
-          <p:txBody>
-            <a:bodyPr wrap="none" lIns="36000" tIns="36000" rIns="36000" bIns="36000" rtlCol="0" anchor="ctr" anchorCtr="0"/>
-            <a:lstStyle/>
-            <a:p>
-              <a:pPr algn="ctr"/>
-              <a:r>
-                <a:rPr lang="zh-CN" altLang="en-US" sz="1600" b="1">
-                  <a:solidFill>
-                    <a:schemeClr val="tx1"/>
-                  </a:solidFill>
-                  <a:latin typeface="微软雅黑" panose="020B0503020204020204" pitchFamily="34" charset="-122"/>
-                  <a:ea typeface="微软雅黑" panose="020B0503020204020204" pitchFamily="34" charset="-122"/>
-                </a:rPr>
-                <a:t>添加纪念馆</a:t>
-              </a:r>
-              <a:endParaRPr lang="en-US" altLang="zh-CN" sz="1600" b="1">
-                <a:solidFill>
-                  <a:schemeClr val="tx1"/>
-                </a:solidFill>
-                <a:latin typeface="微软雅黑" panose="020B0503020204020204" pitchFamily="34" charset="-122"/>
-                <a:ea typeface="微软雅黑" panose="020B0503020204020204" pitchFamily="34" charset="-122"/>
-              </a:endParaRPr>
-            </a:p>
-            <a:p>
-              <a:pPr algn="ctr"/>
-              <a:r>
-                <a:rPr lang="en-US" altLang="zh-CN" sz="1600" b="1">
-                  <a:solidFill>
-                    <a:schemeClr val="tx1"/>
-                  </a:solidFill>
-                  <a:latin typeface="微软雅黑" panose="020B0503020204020204" pitchFamily="34" charset="-122"/>
-                  <a:ea typeface="微软雅黑" panose="020B0503020204020204" pitchFamily="34" charset="-122"/>
-                </a:rPr>
-                <a:t>add_memorial_hall</a:t>
-              </a:r>
-              <a:endParaRPr lang="zh-CN" altLang="en-US" sz="1600" b="1">
-                <a:solidFill>
-                  <a:schemeClr val="tx1"/>
-                </a:solidFill>
-                <a:latin typeface="微软雅黑" panose="020B0503020204020204" pitchFamily="34" charset="-122"/>
-                <a:ea typeface="微软雅黑" panose="020B0503020204020204" pitchFamily="34" charset="-122"/>
-              </a:endParaRPr>
-            </a:p>
-          </p:txBody>
-        </p:sp>
-        <p:sp>
-          <p:nvSpPr>
-            <p:cNvPr id="48" name="矩形: 圆角 47">
-              <a:extLst>
-                <a:ext uri="{FF2B5EF4-FFF2-40B4-BE49-F238E27FC236}">
-                  <a16:creationId xmlns:a16="http://schemas.microsoft.com/office/drawing/2014/main" id="{EBD4EA97-5025-4DE6-B38D-69D50269EB33}"/>
-                </a:ext>
-              </a:extLst>
-            </p:cNvPr>
-            <p:cNvSpPr/>
-            <p:nvPr/>
-          </p:nvSpPr>
-          <p:spPr>
-            <a:xfrm>
-              <a:off x="1051151" y="2212413"/>
-              <a:ext cx="1320473" cy="540000"/>
-            </a:xfrm>
-            <a:prstGeom prst="roundRect">
-              <a:avLst/>
-            </a:prstGeom>
+              <a:latin typeface="微软雅黑" panose="020B0503020204020204" pitchFamily="34" charset="-122"/>
+              <a:ea typeface="微软雅黑" panose="020B0503020204020204" pitchFamily="34" charset="-122"/>
+            </a:endParaRPr>
+          </a:p>
+        </p:txBody>
+      </p:sp>
+      <p:sp>
+        <p:nvSpPr>
+          <p:cNvPr id="48" name="矩形: 圆角 47">
+            <a:extLst>
+              <a:ext uri="{FF2B5EF4-FFF2-40B4-BE49-F238E27FC236}">
+                <a16:creationId xmlns:a16="http://schemas.microsoft.com/office/drawing/2014/main" id="{EBD4EA97-5025-4DE6-B38D-69D50269EB33}"/>
+              </a:ext>
+            </a:extLst>
+          </p:cNvPr>
+          <p:cNvSpPr/>
+          <p:nvPr/>
+        </p:nvSpPr>
+        <p:spPr>
+          <a:xfrm>
+            <a:off x="712379" y="1503536"/>
+            <a:ext cx="1320473" cy="540000"/>
+          </a:xfrm>
+          <a:prstGeom prst="roundRect">
+            <a:avLst/>
+          </a:prstGeom>
+          <a:solidFill>
+            <a:srgbClr val="00B0F0"/>
+          </a:solidFill>
+          <a:ln>
             <a:solidFill>
-              <a:srgbClr val="00B0F0"/>
+              <a:schemeClr val="tx1"/>
             </a:solidFill>
-            <a:ln>
-              <a:solidFill>
-                <a:schemeClr val="tx1"/>
-              </a:solidFill>
-            </a:ln>
-          </p:spPr>
-          <p:style>
-            <a:lnRef idx="2">
-              <a:schemeClr val="accent1">
-                <a:shade val="50000"/>
-              </a:schemeClr>
-            </a:lnRef>
-            <a:fillRef idx="1">
-              <a:schemeClr val="accent1"/>
-            </a:fillRef>
-            <a:effectRef idx="0">
-              <a:schemeClr val="accent1"/>
-            </a:effectRef>
-            <a:fontRef idx="minor">
-              <a:schemeClr val="lt1"/>
-            </a:fontRef>
-          </p:style>
-          <p:txBody>
-            <a:bodyPr wrap="none" lIns="36000" tIns="36000" rIns="36000" bIns="36000" rtlCol="0" anchor="ctr" anchorCtr="0"/>
-            <a:lstStyle/>
-            <a:p>
-              <a:pPr algn="ctr"/>
-              <a:r>
-                <a:rPr lang="zh-CN" altLang="en-US" sz="1600" b="1">
-                  <a:solidFill>
-                    <a:schemeClr val="tx1"/>
-                  </a:solidFill>
-                  <a:latin typeface="微软雅黑" panose="020B0503020204020204" pitchFamily="34" charset="-122"/>
-                  <a:ea typeface="微软雅黑" panose="020B0503020204020204" pitchFamily="34" charset="-122"/>
-                </a:rPr>
-                <a:t>用户</a:t>
-              </a:r>
-            </a:p>
-          </p:txBody>
-        </p:sp>
-      </p:grpSp>
+          </a:ln>
+        </p:spPr>
+        <p:style>
+          <a:lnRef idx="2">
+            <a:schemeClr val="accent1">
+              <a:shade val="50000"/>
+            </a:schemeClr>
+          </a:lnRef>
+          <a:fillRef idx="1">
+            <a:schemeClr val="accent1"/>
+          </a:fillRef>
+          <a:effectRef idx="0">
+            <a:schemeClr val="accent1"/>
+          </a:effectRef>
+          <a:fontRef idx="minor">
+            <a:schemeClr val="lt1"/>
+          </a:fontRef>
+        </p:style>
+        <p:txBody>
+          <a:bodyPr wrap="none" lIns="36000" tIns="36000" rIns="36000" bIns="36000" rtlCol="0" anchor="ctr" anchorCtr="0"/>
+          <a:lstStyle/>
+          <a:p>
+            <a:pPr algn="ctr"/>
+            <a:r>
+              <a:rPr lang="zh-CN" altLang="en-US" sz="1600" b="1">
+                <a:solidFill>
+                  <a:schemeClr val="tx1"/>
+                </a:solidFill>
+                <a:latin typeface="微软雅黑" panose="020B0503020204020204" pitchFamily="34" charset="-122"/>
+                <a:ea typeface="微软雅黑" panose="020B0503020204020204" pitchFamily="34" charset="-122"/>
+              </a:rPr>
+              <a:t>用户</a:t>
+            </a:r>
+          </a:p>
+        </p:txBody>
+      </p:sp>
       <p:cxnSp>
         <p:nvCxnSpPr>
           <p:cNvPr id="111" name="直接箭头连接符 110">
@@ -9371,7 +9292,6 @@
           </p:cNvPr>
           <p:cNvCxnSpPr>
             <a:cxnSpLocks/>
-            <a:stCxn id="22" idx="3"/>
             <a:endCxn id="31" idx="1"/>
           </p:cNvCxnSpPr>
           <p:nvPr/>
@@ -9751,7 +9671,6 @@
           </p:cNvPr>
           <p:cNvCxnSpPr>
             <a:cxnSpLocks/>
-            <a:stCxn id="22" idx="3"/>
             <a:endCxn id="14" idx="1"/>
           </p:cNvCxnSpPr>
           <p:nvPr/>
@@ -9797,7 +9716,6 @@
           </p:cNvPr>
           <p:cNvCxnSpPr>
             <a:cxnSpLocks/>
-            <a:stCxn id="22" idx="3"/>
             <a:endCxn id="13" idx="1"/>
           </p:cNvCxnSpPr>
           <p:nvPr/>
@@ -9909,7 +9827,6 @@
           <p:cNvCxnSpPr>
             <a:cxnSpLocks/>
             <a:stCxn id="21" idx="0"/>
-            <a:endCxn id="22" idx="2"/>
           </p:cNvCxnSpPr>
           <p:nvPr/>
         </p:nvCxnSpPr>
@@ -9943,6 +9860,72 @@
           </a:fontRef>
         </p:style>
       </p:cxnSp>
+      <p:sp>
+        <p:nvSpPr>
+          <p:cNvPr id="17" name="矩形: 圆角 16">
+            <a:extLst>
+              <a:ext uri="{FF2B5EF4-FFF2-40B4-BE49-F238E27FC236}">
+                <a16:creationId xmlns:a16="http://schemas.microsoft.com/office/drawing/2014/main" id="{7481BA46-CA3E-4217-A8D5-616E4F0B1BEB}"/>
+              </a:ext>
+            </a:extLst>
+          </p:cNvPr>
+          <p:cNvSpPr/>
+          <p:nvPr/>
+        </p:nvSpPr>
+        <p:spPr>
+          <a:xfrm>
+            <a:off x="3769626" y="3959178"/>
+            <a:ext cx="1728000" cy="576000"/>
+          </a:xfrm>
+          <a:prstGeom prst="roundRect">
+            <a:avLst/>
+          </a:prstGeom>
+          <a:solidFill>
+            <a:schemeClr val="accent2">
+              <a:lumMod val="60000"/>
+              <a:lumOff val="40000"/>
+            </a:schemeClr>
+          </a:solidFill>
+          <a:ln>
+            <a:solidFill>
+              <a:schemeClr val="tx1"/>
+            </a:solidFill>
+          </a:ln>
+        </p:spPr>
+        <p:style>
+          <a:lnRef idx="2">
+            <a:schemeClr val="accent1">
+              <a:shade val="50000"/>
+            </a:schemeClr>
+          </a:lnRef>
+          <a:fillRef idx="1">
+            <a:schemeClr val="accent1"/>
+          </a:fillRef>
+          <a:effectRef idx="0">
+            <a:schemeClr val="accent1"/>
+          </a:effectRef>
+          <a:fontRef idx="minor">
+            <a:schemeClr val="lt1"/>
+          </a:fontRef>
+        </p:style>
+        <p:txBody>
+          <a:bodyPr wrap="none" lIns="36000" tIns="36000" rIns="36000" bIns="36000" rtlCol="0" anchor="ctr" anchorCtr="0"/>
+          <a:lstStyle/>
+          <a:p>
+            <a:pPr algn="ctr"/>
+            <a:r>
+              <a:rPr lang="zh-CN" altLang="en-US" sz="1600" b="1">
+                <a:solidFill>
+                  <a:schemeClr val="tx1"/>
+                </a:solidFill>
+                <a:latin typeface="微软雅黑" panose="020B0503020204020204" pitchFamily="34" charset="-122"/>
+                <a:ea typeface="微软雅黑" panose="020B0503020204020204" pitchFamily="34" charset="-122"/>
+              </a:rPr>
+              <a:t>角色合约</a:t>
+            </a:r>
+          </a:p>
+        </p:txBody>
+      </p:sp>
     </p:spTree>
     <p:extLst>
       <p:ext uri="{BB962C8B-B14F-4D97-AF65-F5344CB8AC3E}">
